--- a/ppt 16-9/1319.我必称颂神.pptx
+++ b/ppt 16-9/1319.我必称颂神.pptx
@@ -129,7 +129,7 @@
           <p:cNvPr id="2" name="标题 1">
             <a:extLst>
               <a:ext uri="{FF2B5EF4-FFF2-40B4-BE49-F238E27FC236}">
-                <a16:creationId xmlns:a16="http://schemas.microsoft.com/office/drawing/2014/main" id="{386673CA-A65D-C99E-C87E-BE2DC74FC8CD}"/>
+                <a16:creationId xmlns:a16="http://schemas.microsoft.com/office/drawing/2014/main" id="{B97B33A1-94F4-FAB3-CC13-5802B951AE94}"/>
               </a:ext>
             </a:extLst>
           </p:cNvPr>
@@ -166,7 +166,7 @@
           <p:cNvPr id="3" name="副标题 2">
             <a:extLst>
               <a:ext uri="{FF2B5EF4-FFF2-40B4-BE49-F238E27FC236}">
-                <a16:creationId xmlns:a16="http://schemas.microsoft.com/office/drawing/2014/main" id="{3DBD683D-5428-8C80-F368-EF4E5895057B}"/>
+                <a16:creationId xmlns:a16="http://schemas.microsoft.com/office/drawing/2014/main" id="{7B31F707-3FFA-C06F-C607-95D582374442}"/>
               </a:ext>
             </a:extLst>
           </p:cNvPr>
@@ -236,7 +236,7 @@
           <p:cNvPr id="4" name="日期占位符 3">
             <a:extLst>
               <a:ext uri="{FF2B5EF4-FFF2-40B4-BE49-F238E27FC236}">
-                <a16:creationId xmlns:a16="http://schemas.microsoft.com/office/drawing/2014/main" id="{6F1E7A60-9F8C-79F3-BA74-BFEA5F2FFE57}"/>
+                <a16:creationId xmlns:a16="http://schemas.microsoft.com/office/drawing/2014/main" id="{E7C63463-B428-9E4F-BDF8-014811FD9545}"/>
               </a:ext>
             </a:extLst>
           </p:cNvPr>
@@ -252,7 +252,7 @@
           <a:bodyPr/>
           <a:lstStyle/>
           <a:p>
-            <a:fld id="{6ED4691B-8239-489A-B103-B7ACB16914B2}" type="datetimeFigureOut">
+            <a:fld id="{C8F76FBF-0980-4DA3-870A-1C6EC6887ADD}" type="datetimeFigureOut">
               <a:rPr lang="zh-CN" altLang="en-US" smtClean="0"/>
               <a:t>2024/3/10</a:t>
             </a:fld>
@@ -265,7 +265,7 @@
           <p:cNvPr id="5" name="页脚占位符 4">
             <a:extLst>
               <a:ext uri="{FF2B5EF4-FFF2-40B4-BE49-F238E27FC236}">
-                <a16:creationId xmlns:a16="http://schemas.microsoft.com/office/drawing/2014/main" id="{8BF1A770-905E-5342-2005-64601700E24F}"/>
+                <a16:creationId xmlns:a16="http://schemas.microsoft.com/office/drawing/2014/main" id="{3CE61DAA-E2A4-4652-CD3C-9EF333556F49}"/>
               </a:ext>
             </a:extLst>
           </p:cNvPr>
@@ -290,7 +290,7 @@
           <p:cNvPr id="6" name="灯片编号占位符 5">
             <a:extLst>
               <a:ext uri="{FF2B5EF4-FFF2-40B4-BE49-F238E27FC236}">
-                <a16:creationId xmlns:a16="http://schemas.microsoft.com/office/drawing/2014/main" id="{9D9FCFDF-CAD6-6824-D8F0-4841DCE396BA}"/>
+                <a16:creationId xmlns:a16="http://schemas.microsoft.com/office/drawing/2014/main" id="{544D6AA0-3C6B-0927-EECC-5084101C8B80}"/>
               </a:ext>
             </a:extLst>
           </p:cNvPr>
@@ -306,7 +306,7 @@
           <a:bodyPr/>
           <a:lstStyle/>
           <a:p>
-            <a:fld id="{3FAFC824-C571-4D11-8041-8F438765376B}" type="slidenum">
+            <a:fld id="{A9697AC8-D47A-40B5-833F-6DC72359547D}" type="slidenum">
               <a:rPr lang="zh-CN" altLang="en-US" smtClean="0"/>
               <a:t>‹#›</a:t>
             </a:fld>
@@ -317,7 +317,7 @@
     </p:spTree>
     <p:extLst>
       <p:ext uri="{BB962C8B-B14F-4D97-AF65-F5344CB8AC3E}">
-        <p14:creationId xmlns:p14="http://schemas.microsoft.com/office/powerpoint/2010/main" val="3408747522"/>
+        <p14:creationId xmlns:p14="http://schemas.microsoft.com/office/powerpoint/2010/main" val="4102848550"/>
       </p:ext>
     </p:extLst>
   </p:cSld>
@@ -349,7 +349,7 @@
           <p:cNvPr id="2" name="标题 1">
             <a:extLst>
               <a:ext uri="{FF2B5EF4-FFF2-40B4-BE49-F238E27FC236}">
-                <a16:creationId xmlns:a16="http://schemas.microsoft.com/office/drawing/2014/main" id="{0AC2C693-F011-CF8C-1487-50748491AFA0}"/>
+                <a16:creationId xmlns:a16="http://schemas.microsoft.com/office/drawing/2014/main" id="{5C6935FE-161D-8D60-6DE2-415CE3742169}"/>
               </a:ext>
             </a:extLst>
           </p:cNvPr>
@@ -377,7 +377,7 @@
           <p:cNvPr id="3" name="竖排文字占位符 2">
             <a:extLst>
               <a:ext uri="{FF2B5EF4-FFF2-40B4-BE49-F238E27FC236}">
-                <a16:creationId xmlns:a16="http://schemas.microsoft.com/office/drawing/2014/main" id="{B0055186-2E88-17CF-C243-828EA7F6F917}"/>
+                <a16:creationId xmlns:a16="http://schemas.microsoft.com/office/drawing/2014/main" id="{24AD1CAB-EB5D-A00A-A522-2DF1C1EF54B4}"/>
               </a:ext>
             </a:extLst>
           </p:cNvPr>
@@ -434,7 +434,7 @@
           <p:cNvPr id="4" name="日期占位符 3">
             <a:extLst>
               <a:ext uri="{FF2B5EF4-FFF2-40B4-BE49-F238E27FC236}">
-                <a16:creationId xmlns:a16="http://schemas.microsoft.com/office/drawing/2014/main" id="{5F6E2724-3574-3B2D-C769-3D99954147ED}"/>
+                <a16:creationId xmlns:a16="http://schemas.microsoft.com/office/drawing/2014/main" id="{A8735F93-82E7-6139-5FBA-EBD9E0E17947}"/>
               </a:ext>
             </a:extLst>
           </p:cNvPr>
@@ -450,7 +450,7 @@
           <a:bodyPr/>
           <a:lstStyle/>
           <a:p>
-            <a:fld id="{6ED4691B-8239-489A-B103-B7ACB16914B2}" type="datetimeFigureOut">
+            <a:fld id="{C8F76FBF-0980-4DA3-870A-1C6EC6887ADD}" type="datetimeFigureOut">
               <a:rPr lang="zh-CN" altLang="en-US" smtClean="0"/>
               <a:t>2024/3/10</a:t>
             </a:fld>
@@ -463,7 +463,7 @@
           <p:cNvPr id="5" name="页脚占位符 4">
             <a:extLst>
               <a:ext uri="{FF2B5EF4-FFF2-40B4-BE49-F238E27FC236}">
-                <a16:creationId xmlns:a16="http://schemas.microsoft.com/office/drawing/2014/main" id="{B098AD61-B6F1-9E79-6DE0-39848DFA93AF}"/>
+                <a16:creationId xmlns:a16="http://schemas.microsoft.com/office/drawing/2014/main" id="{75F8F1D7-F4DB-2427-9189-07F69791FFA8}"/>
               </a:ext>
             </a:extLst>
           </p:cNvPr>
@@ -488,7 +488,7 @@
           <p:cNvPr id="6" name="灯片编号占位符 5">
             <a:extLst>
               <a:ext uri="{FF2B5EF4-FFF2-40B4-BE49-F238E27FC236}">
-                <a16:creationId xmlns:a16="http://schemas.microsoft.com/office/drawing/2014/main" id="{EFD057BC-C7B2-ECDA-6D70-1D617DBE7AB4}"/>
+                <a16:creationId xmlns:a16="http://schemas.microsoft.com/office/drawing/2014/main" id="{31188B68-2074-96D6-49A7-8E2EF238FAC6}"/>
               </a:ext>
             </a:extLst>
           </p:cNvPr>
@@ -504,7 +504,7 @@
           <a:bodyPr/>
           <a:lstStyle/>
           <a:p>
-            <a:fld id="{3FAFC824-C571-4D11-8041-8F438765376B}" type="slidenum">
+            <a:fld id="{A9697AC8-D47A-40B5-833F-6DC72359547D}" type="slidenum">
               <a:rPr lang="zh-CN" altLang="en-US" smtClean="0"/>
               <a:t>‹#›</a:t>
             </a:fld>
@@ -515,7 +515,7 @@
     </p:spTree>
     <p:extLst>
       <p:ext uri="{BB962C8B-B14F-4D97-AF65-F5344CB8AC3E}">
-        <p14:creationId xmlns:p14="http://schemas.microsoft.com/office/powerpoint/2010/main" val="1984191402"/>
+        <p14:creationId xmlns:p14="http://schemas.microsoft.com/office/powerpoint/2010/main" val="2632142874"/>
       </p:ext>
     </p:extLst>
   </p:cSld>
@@ -547,7 +547,7 @@
           <p:cNvPr id="2" name="竖排标题 1">
             <a:extLst>
               <a:ext uri="{FF2B5EF4-FFF2-40B4-BE49-F238E27FC236}">
-                <a16:creationId xmlns:a16="http://schemas.microsoft.com/office/drawing/2014/main" id="{7E1EF217-2F75-889A-6CC2-93A889C24F14}"/>
+                <a16:creationId xmlns:a16="http://schemas.microsoft.com/office/drawing/2014/main" id="{BE6756FF-27F3-D812-053C-84D08589E822}"/>
               </a:ext>
             </a:extLst>
           </p:cNvPr>
@@ -580,7 +580,7 @@
           <p:cNvPr id="3" name="竖排文字占位符 2">
             <a:extLst>
               <a:ext uri="{FF2B5EF4-FFF2-40B4-BE49-F238E27FC236}">
-                <a16:creationId xmlns:a16="http://schemas.microsoft.com/office/drawing/2014/main" id="{BB9DDF74-61CF-0C21-7672-26B7E0C99D25}"/>
+                <a16:creationId xmlns:a16="http://schemas.microsoft.com/office/drawing/2014/main" id="{F0898E76-FE6F-FF14-13D9-D304CFF19C07}"/>
               </a:ext>
             </a:extLst>
           </p:cNvPr>
@@ -642,7 +642,7 @@
           <p:cNvPr id="4" name="日期占位符 3">
             <a:extLst>
               <a:ext uri="{FF2B5EF4-FFF2-40B4-BE49-F238E27FC236}">
-                <a16:creationId xmlns:a16="http://schemas.microsoft.com/office/drawing/2014/main" id="{CC1DA520-54FD-2DAC-F272-4B3029273BB7}"/>
+                <a16:creationId xmlns:a16="http://schemas.microsoft.com/office/drawing/2014/main" id="{61E03EDF-B08F-5939-F28B-6590DFD152F6}"/>
               </a:ext>
             </a:extLst>
           </p:cNvPr>
@@ -658,7 +658,7 @@
           <a:bodyPr/>
           <a:lstStyle/>
           <a:p>
-            <a:fld id="{6ED4691B-8239-489A-B103-B7ACB16914B2}" type="datetimeFigureOut">
+            <a:fld id="{C8F76FBF-0980-4DA3-870A-1C6EC6887ADD}" type="datetimeFigureOut">
               <a:rPr lang="zh-CN" altLang="en-US" smtClean="0"/>
               <a:t>2024/3/10</a:t>
             </a:fld>
@@ -671,7 +671,7 @@
           <p:cNvPr id="5" name="页脚占位符 4">
             <a:extLst>
               <a:ext uri="{FF2B5EF4-FFF2-40B4-BE49-F238E27FC236}">
-                <a16:creationId xmlns:a16="http://schemas.microsoft.com/office/drawing/2014/main" id="{6C80BC70-75D5-2BBB-FD85-3DCD663B887F}"/>
+                <a16:creationId xmlns:a16="http://schemas.microsoft.com/office/drawing/2014/main" id="{500AFADF-0683-2345-1717-97D473FCF72B}"/>
               </a:ext>
             </a:extLst>
           </p:cNvPr>
@@ -696,7 +696,7 @@
           <p:cNvPr id="6" name="灯片编号占位符 5">
             <a:extLst>
               <a:ext uri="{FF2B5EF4-FFF2-40B4-BE49-F238E27FC236}">
-                <a16:creationId xmlns:a16="http://schemas.microsoft.com/office/drawing/2014/main" id="{12259DB5-0102-7511-1916-4517F788D48F}"/>
+                <a16:creationId xmlns:a16="http://schemas.microsoft.com/office/drawing/2014/main" id="{55C37855-9C5B-3130-A7B6-09432C3BB4A2}"/>
               </a:ext>
             </a:extLst>
           </p:cNvPr>
@@ -712,7 +712,7 @@
           <a:bodyPr/>
           <a:lstStyle/>
           <a:p>
-            <a:fld id="{3FAFC824-C571-4D11-8041-8F438765376B}" type="slidenum">
+            <a:fld id="{A9697AC8-D47A-40B5-833F-6DC72359547D}" type="slidenum">
               <a:rPr lang="zh-CN" altLang="en-US" smtClean="0"/>
               <a:t>‹#›</a:t>
             </a:fld>
@@ -723,7 +723,7 @@
     </p:spTree>
     <p:extLst>
       <p:ext uri="{BB962C8B-B14F-4D97-AF65-F5344CB8AC3E}">
-        <p14:creationId xmlns:p14="http://schemas.microsoft.com/office/powerpoint/2010/main" val="1509196932"/>
+        <p14:creationId xmlns:p14="http://schemas.microsoft.com/office/powerpoint/2010/main" val="3395741061"/>
       </p:ext>
     </p:extLst>
   </p:cSld>
@@ -755,7 +755,7 @@
           <p:cNvPr id="2" name="标题 1">
             <a:extLst>
               <a:ext uri="{FF2B5EF4-FFF2-40B4-BE49-F238E27FC236}">
-                <a16:creationId xmlns:a16="http://schemas.microsoft.com/office/drawing/2014/main" id="{4F2687F1-6EB0-CC5F-14DB-197E2E117F86}"/>
+                <a16:creationId xmlns:a16="http://schemas.microsoft.com/office/drawing/2014/main" id="{2836E106-D2FD-CC23-6FBC-C2A6F747C476}"/>
               </a:ext>
             </a:extLst>
           </p:cNvPr>
@@ -783,7 +783,7 @@
           <p:cNvPr id="3" name="内容占位符 2">
             <a:extLst>
               <a:ext uri="{FF2B5EF4-FFF2-40B4-BE49-F238E27FC236}">
-                <a16:creationId xmlns:a16="http://schemas.microsoft.com/office/drawing/2014/main" id="{1AA9FDD9-8BB1-FCD4-B46C-8242290BE8AA}"/>
+                <a16:creationId xmlns:a16="http://schemas.microsoft.com/office/drawing/2014/main" id="{FD6BCE96-E421-5EFF-57E1-3C424397CD73}"/>
               </a:ext>
             </a:extLst>
           </p:cNvPr>
@@ -840,7 +840,7 @@
           <p:cNvPr id="4" name="日期占位符 3">
             <a:extLst>
               <a:ext uri="{FF2B5EF4-FFF2-40B4-BE49-F238E27FC236}">
-                <a16:creationId xmlns:a16="http://schemas.microsoft.com/office/drawing/2014/main" id="{A701D1F0-EF58-F9B4-355C-23BCBCBAEC2A}"/>
+                <a16:creationId xmlns:a16="http://schemas.microsoft.com/office/drawing/2014/main" id="{53B5C4F9-E824-1A51-9630-08AFA1390141}"/>
               </a:ext>
             </a:extLst>
           </p:cNvPr>
@@ -856,7 +856,7 @@
           <a:bodyPr/>
           <a:lstStyle/>
           <a:p>
-            <a:fld id="{6ED4691B-8239-489A-B103-B7ACB16914B2}" type="datetimeFigureOut">
+            <a:fld id="{C8F76FBF-0980-4DA3-870A-1C6EC6887ADD}" type="datetimeFigureOut">
               <a:rPr lang="zh-CN" altLang="en-US" smtClean="0"/>
               <a:t>2024/3/10</a:t>
             </a:fld>
@@ -869,7 +869,7 @@
           <p:cNvPr id="5" name="页脚占位符 4">
             <a:extLst>
               <a:ext uri="{FF2B5EF4-FFF2-40B4-BE49-F238E27FC236}">
-                <a16:creationId xmlns:a16="http://schemas.microsoft.com/office/drawing/2014/main" id="{C0294263-233F-113D-6126-186C14D63ABF}"/>
+                <a16:creationId xmlns:a16="http://schemas.microsoft.com/office/drawing/2014/main" id="{6FD2A453-A34E-B0D5-8EDE-B5E41C0C4C71}"/>
               </a:ext>
             </a:extLst>
           </p:cNvPr>
@@ -894,7 +894,7 @@
           <p:cNvPr id="6" name="灯片编号占位符 5">
             <a:extLst>
               <a:ext uri="{FF2B5EF4-FFF2-40B4-BE49-F238E27FC236}">
-                <a16:creationId xmlns:a16="http://schemas.microsoft.com/office/drawing/2014/main" id="{8E7C3800-39A6-BDDE-80AB-ACCB7043BF8D}"/>
+                <a16:creationId xmlns:a16="http://schemas.microsoft.com/office/drawing/2014/main" id="{D35819AC-1D8C-393C-2120-A67A38EE76BB}"/>
               </a:ext>
             </a:extLst>
           </p:cNvPr>
@@ -910,7 +910,7 @@
           <a:bodyPr/>
           <a:lstStyle/>
           <a:p>
-            <a:fld id="{3FAFC824-C571-4D11-8041-8F438765376B}" type="slidenum">
+            <a:fld id="{A9697AC8-D47A-40B5-833F-6DC72359547D}" type="slidenum">
               <a:rPr lang="zh-CN" altLang="en-US" smtClean="0"/>
               <a:t>‹#›</a:t>
             </a:fld>
@@ -921,7 +921,7 @@
     </p:spTree>
     <p:extLst>
       <p:ext uri="{BB962C8B-B14F-4D97-AF65-F5344CB8AC3E}">
-        <p14:creationId xmlns:p14="http://schemas.microsoft.com/office/powerpoint/2010/main" val="2797704372"/>
+        <p14:creationId xmlns:p14="http://schemas.microsoft.com/office/powerpoint/2010/main" val="27965705"/>
       </p:ext>
     </p:extLst>
   </p:cSld>
@@ -953,7 +953,7 @@
           <p:cNvPr id="2" name="标题 1">
             <a:extLst>
               <a:ext uri="{FF2B5EF4-FFF2-40B4-BE49-F238E27FC236}">
-                <a16:creationId xmlns:a16="http://schemas.microsoft.com/office/drawing/2014/main" id="{D0850A5C-6908-472D-0507-9B5B93DF940F}"/>
+                <a16:creationId xmlns:a16="http://schemas.microsoft.com/office/drawing/2014/main" id="{74BF8F97-96C2-6035-098D-EB25603D659B}"/>
               </a:ext>
             </a:extLst>
           </p:cNvPr>
@@ -990,7 +990,7 @@
           <p:cNvPr id="3" name="文本占位符 2">
             <a:extLst>
               <a:ext uri="{FF2B5EF4-FFF2-40B4-BE49-F238E27FC236}">
-                <a16:creationId xmlns:a16="http://schemas.microsoft.com/office/drawing/2014/main" id="{D7F2CB9B-291B-B615-3104-248C9703CF4B}"/>
+                <a16:creationId xmlns:a16="http://schemas.microsoft.com/office/drawing/2014/main" id="{3E76F732-2DD1-9353-60B8-1E839AA63329}"/>
               </a:ext>
             </a:extLst>
           </p:cNvPr>
@@ -1115,7 +1115,7 @@
           <p:cNvPr id="4" name="日期占位符 3">
             <a:extLst>
               <a:ext uri="{FF2B5EF4-FFF2-40B4-BE49-F238E27FC236}">
-                <a16:creationId xmlns:a16="http://schemas.microsoft.com/office/drawing/2014/main" id="{001D3F09-BE56-15C4-48C7-E6ADBF18F761}"/>
+                <a16:creationId xmlns:a16="http://schemas.microsoft.com/office/drawing/2014/main" id="{DB433A1D-2AEA-45DA-E0F2-E6C268DB19EF}"/>
               </a:ext>
             </a:extLst>
           </p:cNvPr>
@@ -1131,7 +1131,7 @@
           <a:bodyPr/>
           <a:lstStyle/>
           <a:p>
-            <a:fld id="{6ED4691B-8239-489A-B103-B7ACB16914B2}" type="datetimeFigureOut">
+            <a:fld id="{C8F76FBF-0980-4DA3-870A-1C6EC6887ADD}" type="datetimeFigureOut">
               <a:rPr lang="zh-CN" altLang="en-US" smtClean="0"/>
               <a:t>2024/3/10</a:t>
             </a:fld>
@@ -1144,7 +1144,7 @@
           <p:cNvPr id="5" name="页脚占位符 4">
             <a:extLst>
               <a:ext uri="{FF2B5EF4-FFF2-40B4-BE49-F238E27FC236}">
-                <a16:creationId xmlns:a16="http://schemas.microsoft.com/office/drawing/2014/main" id="{E11A4A14-1D15-0766-C0C9-75DA2FEF4274}"/>
+                <a16:creationId xmlns:a16="http://schemas.microsoft.com/office/drawing/2014/main" id="{F13A94AB-5570-54FF-0B1B-1EF210713BF9}"/>
               </a:ext>
             </a:extLst>
           </p:cNvPr>
@@ -1169,7 +1169,7 @@
           <p:cNvPr id="6" name="灯片编号占位符 5">
             <a:extLst>
               <a:ext uri="{FF2B5EF4-FFF2-40B4-BE49-F238E27FC236}">
-                <a16:creationId xmlns:a16="http://schemas.microsoft.com/office/drawing/2014/main" id="{5387FE9A-D677-5C52-637E-7DEE0BA95C63}"/>
+                <a16:creationId xmlns:a16="http://schemas.microsoft.com/office/drawing/2014/main" id="{DE4BDBAB-B299-8502-4719-DDCE544E3947}"/>
               </a:ext>
             </a:extLst>
           </p:cNvPr>
@@ -1185,7 +1185,7 @@
           <a:bodyPr/>
           <a:lstStyle/>
           <a:p>
-            <a:fld id="{3FAFC824-C571-4D11-8041-8F438765376B}" type="slidenum">
+            <a:fld id="{A9697AC8-D47A-40B5-833F-6DC72359547D}" type="slidenum">
               <a:rPr lang="zh-CN" altLang="en-US" smtClean="0"/>
               <a:t>‹#›</a:t>
             </a:fld>
@@ -1196,7 +1196,7 @@
     </p:spTree>
     <p:extLst>
       <p:ext uri="{BB962C8B-B14F-4D97-AF65-F5344CB8AC3E}">
-        <p14:creationId xmlns:p14="http://schemas.microsoft.com/office/powerpoint/2010/main" val="3869029297"/>
+        <p14:creationId xmlns:p14="http://schemas.microsoft.com/office/powerpoint/2010/main" val="2098364774"/>
       </p:ext>
     </p:extLst>
   </p:cSld>
@@ -1228,7 +1228,7 @@
           <p:cNvPr id="2" name="标题 1">
             <a:extLst>
               <a:ext uri="{FF2B5EF4-FFF2-40B4-BE49-F238E27FC236}">
-                <a16:creationId xmlns:a16="http://schemas.microsoft.com/office/drawing/2014/main" id="{6CFA08BD-97A5-9254-9789-68E96FA79823}"/>
+                <a16:creationId xmlns:a16="http://schemas.microsoft.com/office/drawing/2014/main" id="{EE14E52E-8EBD-1473-E5FB-A76EC20CC8B0}"/>
               </a:ext>
             </a:extLst>
           </p:cNvPr>
@@ -1256,7 +1256,7 @@
           <p:cNvPr id="3" name="内容占位符 2">
             <a:extLst>
               <a:ext uri="{FF2B5EF4-FFF2-40B4-BE49-F238E27FC236}">
-                <a16:creationId xmlns:a16="http://schemas.microsoft.com/office/drawing/2014/main" id="{7AA8D4BB-19C4-9DDD-18F9-79D079E91F3E}"/>
+                <a16:creationId xmlns:a16="http://schemas.microsoft.com/office/drawing/2014/main" id="{DB1A631F-3116-B2E1-C14F-3793735F7F9A}"/>
               </a:ext>
             </a:extLst>
           </p:cNvPr>
@@ -1318,7 +1318,7 @@
           <p:cNvPr id="4" name="内容占位符 3">
             <a:extLst>
               <a:ext uri="{FF2B5EF4-FFF2-40B4-BE49-F238E27FC236}">
-                <a16:creationId xmlns:a16="http://schemas.microsoft.com/office/drawing/2014/main" id="{588EB6A5-E0E9-28D2-2B3B-B0D46BF62F19}"/>
+                <a16:creationId xmlns:a16="http://schemas.microsoft.com/office/drawing/2014/main" id="{5F3DC213-0FBB-4DF7-EE95-D0F4EA836E93}"/>
               </a:ext>
             </a:extLst>
           </p:cNvPr>
@@ -1380,7 +1380,7 @@
           <p:cNvPr id="5" name="日期占位符 4">
             <a:extLst>
               <a:ext uri="{FF2B5EF4-FFF2-40B4-BE49-F238E27FC236}">
-                <a16:creationId xmlns:a16="http://schemas.microsoft.com/office/drawing/2014/main" id="{44B294BA-9BB7-D718-4030-8BB47F066556}"/>
+                <a16:creationId xmlns:a16="http://schemas.microsoft.com/office/drawing/2014/main" id="{532B2125-EFF4-02F0-797F-0E94CB667296}"/>
               </a:ext>
             </a:extLst>
           </p:cNvPr>
@@ -1396,7 +1396,7 @@
           <a:bodyPr/>
           <a:lstStyle/>
           <a:p>
-            <a:fld id="{6ED4691B-8239-489A-B103-B7ACB16914B2}" type="datetimeFigureOut">
+            <a:fld id="{C8F76FBF-0980-4DA3-870A-1C6EC6887ADD}" type="datetimeFigureOut">
               <a:rPr lang="zh-CN" altLang="en-US" smtClean="0"/>
               <a:t>2024/3/10</a:t>
             </a:fld>
@@ -1409,7 +1409,7 @@
           <p:cNvPr id="6" name="页脚占位符 5">
             <a:extLst>
               <a:ext uri="{FF2B5EF4-FFF2-40B4-BE49-F238E27FC236}">
-                <a16:creationId xmlns:a16="http://schemas.microsoft.com/office/drawing/2014/main" id="{2EB54D9B-DE49-D035-BF23-333B4BBB8736}"/>
+                <a16:creationId xmlns:a16="http://schemas.microsoft.com/office/drawing/2014/main" id="{8D24719D-3B56-1579-A483-AA59C047CF10}"/>
               </a:ext>
             </a:extLst>
           </p:cNvPr>
@@ -1434,7 +1434,7 @@
           <p:cNvPr id="7" name="灯片编号占位符 6">
             <a:extLst>
               <a:ext uri="{FF2B5EF4-FFF2-40B4-BE49-F238E27FC236}">
-                <a16:creationId xmlns:a16="http://schemas.microsoft.com/office/drawing/2014/main" id="{AF2358C9-50A4-6596-BF93-319B3C511161}"/>
+                <a16:creationId xmlns:a16="http://schemas.microsoft.com/office/drawing/2014/main" id="{CEC1895C-68F4-7C06-8D81-DFABBFA9ECCA}"/>
               </a:ext>
             </a:extLst>
           </p:cNvPr>
@@ -1450,7 +1450,7 @@
           <a:bodyPr/>
           <a:lstStyle/>
           <a:p>
-            <a:fld id="{3FAFC824-C571-4D11-8041-8F438765376B}" type="slidenum">
+            <a:fld id="{A9697AC8-D47A-40B5-833F-6DC72359547D}" type="slidenum">
               <a:rPr lang="zh-CN" altLang="en-US" smtClean="0"/>
               <a:t>‹#›</a:t>
             </a:fld>
@@ -1461,7 +1461,7 @@
     </p:spTree>
     <p:extLst>
       <p:ext uri="{BB962C8B-B14F-4D97-AF65-F5344CB8AC3E}">
-        <p14:creationId xmlns:p14="http://schemas.microsoft.com/office/powerpoint/2010/main" val="750166662"/>
+        <p14:creationId xmlns:p14="http://schemas.microsoft.com/office/powerpoint/2010/main" val="2629378710"/>
       </p:ext>
     </p:extLst>
   </p:cSld>
@@ -1493,7 +1493,7 @@
           <p:cNvPr id="2" name="标题 1">
             <a:extLst>
               <a:ext uri="{FF2B5EF4-FFF2-40B4-BE49-F238E27FC236}">
-                <a16:creationId xmlns:a16="http://schemas.microsoft.com/office/drawing/2014/main" id="{CC3BDA4F-FE73-EA31-9D77-12C9CF737875}"/>
+                <a16:creationId xmlns:a16="http://schemas.microsoft.com/office/drawing/2014/main" id="{0126BEF0-203A-454E-FBFD-A75B874F26A8}"/>
               </a:ext>
             </a:extLst>
           </p:cNvPr>
@@ -1526,7 +1526,7 @@
           <p:cNvPr id="3" name="文本占位符 2">
             <a:extLst>
               <a:ext uri="{FF2B5EF4-FFF2-40B4-BE49-F238E27FC236}">
-                <a16:creationId xmlns:a16="http://schemas.microsoft.com/office/drawing/2014/main" id="{005002FE-C2CA-0D7E-0FA6-726D42491C23}"/>
+                <a16:creationId xmlns:a16="http://schemas.microsoft.com/office/drawing/2014/main" id="{3EA68865-6816-5B9A-5C3F-7B7C8FB795D6}"/>
               </a:ext>
             </a:extLst>
           </p:cNvPr>
@@ -1597,7 +1597,7 @@
           <p:cNvPr id="4" name="内容占位符 3">
             <a:extLst>
               <a:ext uri="{FF2B5EF4-FFF2-40B4-BE49-F238E27FC236}">
-                <a16:creationId xmlns:a16="http://schemas.microsoft.com/office/drawing/2014/main" id="{99C5A3CF-A160-02A5-62C7-12AA3FA75F37}"/>
+                <a16:creationId xmlns:a16="http://schemas.microsoft.com/office/drawing/2014/main" id="{F02DBFC4-217F-39CF-2587-0F8BCE8D8D0F}"/>
               </a:ext>
             </a:extLst>
           </p:cNvPr>
@@ -1659,7 +1659,7 @@
           <p:cNvPr id="5" name="文本占位符 4">
             <a:extLst>
               <a:ext uri="{FF2B5EF4-FFF2-40B4-BE49-F238E27FC236}">
-                <a16:creationId xmlns:a16="http://schemas.microsoft.com/office/drawing/2014/main" id="{2BBD1F54-C67E-3F51-E44C-0040323BC054}"/>
+                <a16:creationId xmlns:a16="http://schemas.microsoft.com/office/drawing/2014/main" id="{CDCA0EAC-AAA1-70B3-107F-3E208B95C6FB}"/>
               </a:ext>
             </a:extLst>
           </p:cNvPr>
@@ -1730,7 +1730,7 @@
           <p:cNvPr id="6" name="内容占位符 5">
             <a:extLst>
               <a:ext uri="{FF2B5EF4-FFF2-40B4-BE49-F238E27FC236}">
-                <a16:creationId xmlns:a16="http://schemas.microsoft.com/office/drawing/2014/main" id="{9412B0EE-7825-D452-B70D-FDC2C4A9E5E0}"/>
+                <a16:creationId xmlns:a16="http://schemas.microsoft.com/office/drawing/2014/main" id="{C576141F-3F96-C038-1810-7A413BA80308}"/>
               </a:ext>
             </a:extLst>
           </p:cNvPr>
@@ -1792,7 +1792,7 @@
           <p:cNvPr id="7" name="日期占位符 6">
             <a:extLst>
               <a:ext uri="{FF2B5EF4-FFF2-40B4-BE49-F238E27FC236}">
-                <a16:creationId xmlns:a16="http://schemas.microsoft.com/office/drawing/2014/main" id="{282F96D6-07D6-59F4-FEE5-200057154FE5}"/>
+                <a16:creationId xmlns:a16="http://schemas.microsoft.com/office/drawing/2014/main" id="{25BCED32-E9DA-0FDA-2132-0B193D932ACF}"/>
               </a:ext>
             </a:extLst>
           </p:cNvPr>
@@ -1808,7 +1808,7 @@
           <a:bodyPr/>
           <a:lstStyle/>
           <a:p>
-            <a:fld id="{6ED4691B-8239-489A-B103-B7ACB16914B2}" type="datetimeFigureOut">
+            <a:fld id="{C8F76FBF-0980-4DA3-870A-1C6EC6887ADD}" type="datetimeFigureOut">
               <a:rPr lang="zh-CN" altLang="en-US" smtClean="0"/>
               <a:t>2024/3/10</a:t>
             </a:fld>
@@ -1821,7 +1821,7 @@
           <p:cNvPr id="8" name="页脚占位符 7">
             <a:extLst>
               <a:ext uri="{FF2B5EF4-FFF2-40B4-BE49-F238E27FC236}">
-                <a16:creationId xmlns:a16="http://schemas.microsoft.com/office/drawing/2014/main" id="{BD5EAF82-CE2C-02FA-5C52-1E05F9DB12A8}"/>
+                <a16:creationId xmlns:a16="http://schemas.microsoft.com/office/drawing/2014/main" id="{F82B81B4-F5FC-1B4A-9E6E-790A79B91F46}"/>
               </a:ext>
             </a:extLst>
           </p:cNvPr>
@@ -1846,7 +1846,7 @@
           <p:cNvPr id="9" name="灯片编号占位符 8">
             <a:extLst>
               <a:ext uri="{FF2B5EF4-FFF2-40B4-BE49-F238E27FC236}">
-                <a16:creationId xmlns:a16="http://schemas.microsoft.com/office/drawing/2014/main" id="{E8F37B0F-8B6B-625E-E793-BE9D8BEC5F1C}"/>
+                <a16:creationId xmlns:a16="http://schemas.microsoft.com/office/drawing/2014/main" id="{5A17C608-9674-24D0-E959-4BBDF0928EEF}"/>
               </a:ext>
             </a:extLst>
           </p:cNvPr>
@@ -1862,7 +1862,7 @@
           <a:bodyPr/>
           <a:lstStyle/>
           <a:p>
-            <a:fld id="{3FAFC824-C571-4D11-8041-8F438765376B}" type="slidenum">
+            <a:fld id="{A9697AC8-D47A-40B5-833F-6DC72359547D}" type="slidenum">
               <a:rPr lang="zh-CN" altLang="en-US" smtClean="0"/>
               <a:t>‹#›</a:t>
             </a:fld>
@@ -1873,7 +1873,7 @@
     </p:spTree>
     <p:extLst>
       <p:ext uri="{BB962C8B-B14F-4D97-AF65-F5344CB8AC3E}">
-        <p14:creationId xmlns:p14="http://schemas.microsoft.com/office/powerpoint/2010/main" val="3242814604"/>
+        <p14:creationId xmlns:p14="http://schemas.microsoft.com/office/powerpoint/2010/main" val="2782626345"/>
       </p:ext>
     </p:extLst>
   </p:cSld>
@@ -1905,7 +1905,7 @@
           <p:cNvPr id="2" name="标题 1">
             <a:extLst>
               <a:ext uri="{FF2B5EF4-FFF2-40B4-BE49-F238E27FC236}">
-                <a16:creationId xmlns:a16="http://schemas.microsoft.com/office/drawing/2014/main" id="{DFBE4286-98E5-CE47-228F-A7387A717E7D}"/>
+                <a16:creationId xmlns:a16="http://schemas.microsoft.com/office/drawing/2014/main" id="{8E3748A1-8FE7-E8C5-A08D-1DAB2B6D57C6}"/>
               </a:ext>
             </a:extLst>
           </p:cNvPr>
@@ -1933,7 +1933,7 @@
           <p:cNvPr id="3" name="日期占位符 2">
             <a:extLst>
               <a:ext uri="{FF2B5EF4-FFF2-40B4-BE49-F238E27FC236}">
-                <a16:creationId xmlns:a16="http://schemas.microsoft.com/office/drawing/2014/main" id="{079639E1-6337-3B99-BD81-A8AD0584AE59}"/>
+                <a16:creationId xmlns:a16="http://schemas.microsoft.com/office/drawing/2014/main" id="{741312B0-BCA1-A7EA-46C7-1644A6B2232C}"/>
               </a:ext>
             </a:extLst>
           </p:cNvPr>
@@ -1949,7 +1949,7 @@
           <a:bodyPr/>
           <a:lstStyle/>
           <a:p>
-            <a:fld id="{6ED4691B-8239-489A-B103-B7ACB16914B2}" type="datetimeFigureOut">
+            <a:fld id="{C8F76FBF-0980-4DA3-870A-1C6EC6887ADD}" type="datetimeFigureOut">
               <a:rPr lang="zh-CN" altLang="en-US" smtClean="0"/>
               <a:t>2024/3/10</a:t>
             </a:fld>
@@ -1962,7 +1962,7 @@
           <p:cNvPr id="4" name="页脚占位符 3">
             <a:extLst>
               <a:ext uri="{FF2B5EF4-FFF2-40B4-BE49-F238E27FC236}">
-                <a16:creationId xmlns:a16="http://schemas.microsoft.com/office/drawing/2014/main" id="{B0687F07-CA1E-142D-A327-DA4788998526}"/>
+                <a16:creationId xmlns:a16="http://schemas.microsoft.com/office/drawing/2014/main" id="{FFB642AF-E1A2-755A-B6F1-E586EE3CCC5F}"/>
               </a:ext>
             </a:extLst>
           </p:cNvPr>
@@ -1987,7 +1987,7 @@
           <p:cNvPr id="5" name="灯片编号占位符 4">
             <a:extLst>
               <a:ext uri="{FF2B5EF4-FFF2-40B4-BE49-F238E27FC236}">
-                <a16:creationId xmlns:a16="http://schemas.microsoft.com/office/drawing/2014/main" id="{36F5F27B-C777-F196-CC59-FE1904DC01C4}"/>
+                <a16:creationId xmlns:a16="http://schemas.microsoft.com/office/drawing/2014/main" id="{D1B74F9E-A1A3-D8B0-0E9A-642DA47AD78E}"/>
               </a:ext>
             </a:extLst>
           </p:cNvPr>
@@ -2003,7 +2003,7 @@
           <a:bodyPr/>
           <a:lstStyle/>
           <a:p>
-            <a:fld id="{3FAFC824-C571-4D11-8041-8F438765376B}" type="slidenum">
+            <a:fld id="{A9697AC8-D47A-40B5-833F-6DC72359547D}" type="slidenum">
               <a:rPr lang="zh-CN" altLang="en-US" smtClean="0"/>
               <a:t>‹#›</a:t>
             </a:fld>
@@ -2014,7 +2014,7 @@
     </p:spTree>
     <p:extLst>
       <p:ext uri="{BB962C8B-B14F-4D97-AF65-F5344CB8AC3E}">
-        <p14:creationId xmlns:p14="http://schemas.microsoft.com/office/powerpoint/2010/main" val="1411255705"/>
+        <p14:creationId xmlns:p14="http://schemas.microsoft.com/office/powerpoint/2010/main" val="898636182"/>
       </p:ext>
     </p:extLst>
   </p:cSld>
@@ -2046,7 +2046,7 @@
           <p:cNvPr id="2" name="日期占位符 1">
             <a:extLst>
               <a:ext uri="{FF2B5EF4-FFF2-40B4-BE49-F238E27FC236}">
-                <a16:creationId xmlns:a16="http://schemas.microsoft.com/office/drawing/2014/main" id="{0622515C-8778-8AE6-C1B8-530CAD6E7A56}"/>
+                <a16:creationId xmlns:a16="http://schemas.microsoft.com/office/drawing/2014/main" id="{7F9B57D1-017B-740D-47F2-2123E064C265}"/>
               </a:ext>
             </a:extLst>
           </p:cNvPr>
@@ -2062,7 +2062,7 @@
           <a:bodyPr/>
           <a:lstStyle/>
           <a:p>
-            <a:fld id="{6ED4691B-8239-489A-B103-B7ACB16914B2}" type="datetimeFigureOut">
+            <a:fld id="{C8F76FBF-0980-4DA3-870A-1C6EC6887ADD}" type="datetimeFigureOut">
               <a:rPr lang="zh-CN" altLang="en-US" smtClean="0"/>
               <a:t>2024/3/10</a:t>
             </a:fld>
@@ -2075,7 +2075,7 @@
           <p:cNvPr id="3" name="页脚占位符 2">
             <a:extLst>
               <a:ext uri="{FF2B5EF4-FFF2-40B4-BE49-F238E27FC236}">
-                <a16:creationId xmlns:a16="http://schemas.microsoft.com/office/drawing/2014/main" id="{C9189FB5-CE3F-EE64-8A79-6CC8817598BD}"/>
+                <a16:creationId xmlns:a16="http://schemas.microsoft.com/office/drawing/2014/main" id="{C131A775-FDB4-BDF7-A132-1053FC361500}"/>
               </a:ext>
             </a:extLst>
           </p:cNvPr>
@@ -2100,7 +2100,7 @@
           <p:cNvPr id="4" name="灯片编号占位符 3">
             <a:extLst>
               <a:ext uri="{FF2B5EF4-FFF2-40B4-BE49-F238E27FC236}">
-                <a16:creationId xmlns:a16="http://schemas.microsoft.com/office/drawing/2014/main" id="{D09A09A6-2D02-51CE-2217-987E6B0504AC}"/>
+                <a16:creationId xmlns:a16="http://schemas.microsoft.com/office/drawing/2014/main" id="{D67CCDF9-3B03-E49E-3D81-076FC068E2A9}"/>
               </a:ext>
             </a:extLst>
           </p:cNvPr>
@@ -2116,7 +2116,7 @@
           <a:bodyPr/>
           <a:lstStyle/>
           <a:p>
-            <a:fld id="{3FAFC824-C571-4D11-8041-8F438765376B}" type="slidenum">
+            <a:fld id="{A9697AC8-D47A-40B5-833F-6DC72359547D}" type="slidenum">
               <a:rPr lang="zh-CN" altLang="en-US" smtClean="0"/>
               <a:t>‹#›</a:t>
             </a:fld>
@@ -2127,7 +2127,7 @@
     </p:spTree>
     <p:extLst>
       <p:ext uri="{BB962C8B-B14F-4D97-AF65-F5344CB8AC3E}">
-        <p14:creationId xmlns:p14="http://schemas.microsoft.com/office/powerpoint/2010/main" val="2362933659"/>
+        <p14:creationId xmlns:p14="http://schemas.microsoft.com/office/powerpoint/2010/main" val="2839651822"/>
       </p:ext>
     </p:extLst>
   </p:cSld>
@@ -2159,7 +2159,7 @@
           <p:cNvPr id="2" name="标题 1">
             <a:extLst>
               <a:ext uri="{FF2B5EF4-FFF2-40B4-BE49-F238E27FC236}">
-                <a16:creationId xmlns:a16="http://schemas.microsoft.com/office/drawing/2014/main" id="{658E73C6-B5D3-924B-AF32-7BB9089C0A1C}"/>
+                <a16:creationId xmlns:a16="http://schemas.microsoft.com/office/drawing/2014/main" id="{428D139A-A94F-38A3-9193-DAF48048D4BC}"/>
               </a:ext>
             </a:extLst>
           </p:cNvPr>
@@ -2196,7 +2196,7 @@
           <p:cNvPr id="3" name="内容占位符 2">
             <a:extLst>
               <a:ext uri="{FF2B5EF4-FFF2-40B4-BE49-F238E27FC236}">
-                <a16:creationId xmlns:a16="http://schemas.microsoft.com/office/drawing/2014/main" id="{E1BAC600-AE02-C0FF-7993-A581AB6D4F94}"/>
+                <a16:creationId xmlns:a16="http://schemas.microsoft.com/office/drawing/2014/main" id="{C7B7335A-00FF-A0FF-25C2-35A790008F85}"/>
               </a:ext>
             </a:extLst>
           </p:cNvPr>
@@ -2286,7 +2286,7 @@
           <p:cNvPr id="4" name="文本占位符 3">
             <a:extLst>
               <a:ext uri="{FF2B5EF4-FFF2-40B4-BE49-F238E27FC236}">
-                <a16:creationId xmlns:a16="http://schemas.microsoft.com/office/drawing/2014/main" id="{8691B384-10D4-52A2-A8A4-3ED1775566BD}"/>
+                <a16:creationId xmlns:a16="http://schemas.microsoft.com/office/drawing/2014/main" id="{D3B05A95-1B94-781A-66BA-8A00C88CC6D7}"/>
               </a:ext>
             </a:extLst>
           </p:cNvPr>
@@ -2357,7 +2357,7 @@
           <p:cNvPr id="5" name="日期占位符 4">
             <a:extLst>
               <a:ext uri="{FF2B5EF4-FFF2-40B4-BE49-F238E27FC236}">
-                <a16:creationId xmlns:a16="http://schemas.microsoft.com/office/drawing/2014/main" id="{36F20A2C-0BE4-CB78-D2BD-6B2E2EE69D67}"/>
+                <a16:creationId xmlns:a16="http://schemas.microsoft.com/office/drawing/2014/main" id="{AB363A95-3D97-C2EE-B5BD-BA46BD0649B8}"/>
               </a:ext>
             </a:extLst>
           </p:cNvPr>
@@ -2373,7 +2373,7 @@
           <a:bodyPr/>
           <a:lstStyle/>
           <a:p>
-            <a:fld id="{6ED4691B-8239-489A-B103-B7ACB16914B2}" type="datetimeFigureOut">
+            <a:fld id="{C8F76FBF-0980-4DA3-870A-1C6EC6887ADD}" type="datetimeFigureOut">
               <a:rPr lang="zh-CN" altLang="en-US" smtClean="0"/>
               <a:t>2024/3/10</a:t>
             </a:fld>
@@ -2386,7 +2386,7 @@
           <p:cNvPr id="6" name="页脚占位符 5">
             <a:extLst>
               <a:ext uri="{FF2B5EF4-FFF2-40B4-BE49-F238E27FC236}">
-                <a16:creationId xmlns:a16="http://schemas.microsoft.com/office/drawing/2014/main" id="{60732FF3-7FF6-1A1B-6686-86BD06F750DE}"/>
+                <a16:creationId xmlns:a16="http://schemas.microsoft.com/office/drawing/2014/main" id="{CDC7146D-2B91-644E-5860-CE6E094DBC28}"/>
               </a:ext>
             </a:extLst>
           </p:cNvPr>
@@ -2411,7 +2411,7 @@
           <p:cNvPr id="7" name="灯片编号占位符 6">
             <a:extLst>
               <a:ext uri="{FF2B5EF4-FFF2-40B4-BE49-F238E27FC236}">
-                <a16:creationId xmlns:a16="http://schemas.microsoft.com/office/drawing/2014/main" id="{6B95B9E1-6397-5B82-56C1-A96AA7326B30}"/>
+                <a16:creationId xmlns:a16="http://schemas.microsoft.com/office/drawing/2014/main" id="{B16C9B07-627E-34E6-BAD3-0A2399106847}"/>
               </a:ext>
             </a:extLst>
           </p:cNvPr>
@@ -2427,7 +2427,7 @@
           <a:bodyPr/>
           <a:lstStyle/>
           <a:p>
-            <a:fld id="{3FAFC824-C571-4D11-8041-8F438765376B}" type="slidenum">
+            <a:fld id="{A9697AC8-D47A-40B5-833F-6DC72359547D}" type="slidenum">
               <a:rPr lang="zh-CN" altLang="en-US" smtClean="0"/>
               <a:t>‹#›</a:t>
             </a:fld>
@@ -2438,7 +2438,7 @@
     </p:spTree>
     <p:extLst>
       <p:ext uri="{BB962C8B-B14F-4D97-AF65-F5344CB8AC3E}">
-        <p14:creationId xmlns:p14="http://schemas.microsoft.com/office/powerpoint/2010/main" val="1097250153"/>
+        <p14:creationId xmlns:p14="http://schemas.microsoft.com/office/powerpoint/2010/main" val="1060364448"/>
       </p:ext>
     </p:extLst>
   </p:cSld>
@@ -2470,7 +2470,7 @@
           <p:cNvPr id="2" name="标题 1">
             <a:extLst>
               <a:ext uri="{FF2B5EF4-FFF2-40B4-BE49-F238E27FC236}">
-                <a16:creationId xmlns:a16="http://schemas.microsoft.com/office/drawing/2014/main" id="{700E2D77-EDB4-937F-47B0-2587F7C34BA3}"/>
+                <a16:creationId xmlns:a16="http://schemas.microsoft.com/office/drawing/2014/main" id="{2ADDE27D-C5DC-BE5E-50DD-4FE7D8B2CF07}"/>
               </a:ext>
             </a:extLst>
           </p:cNvPr>
@@ -2507,7 +2507,7 @@
           <p:cNvPr id="3" name="图片占位符 2">
             <a:extLst>
               <a:ext uri="{FF2B5EF4-FFF2-40B4-BE49-F238E27FC236}">
-                <a16:creationId xmlns:a16="http://schemas.microsoft.com/office/drawing/2014/main" id="{0D26FFA9-B95F-16FF-3B8E-AC19A0CE138E}"/>
+                <a16:creationId xmlns:a16="http://schemas.microsoft.com/office/drawing/2014/main" id="{6E815328-6585-70C4-1823-19591F7F4ED9}"/>
               </a:ext>
             </a:extLst>
           </p:cNvPr>
@@ -2574,7 +2574,7 @@
           <p:cNvPr id="4" name="文本占位符 3">
             <a:extLst>
               <a:ext uri="{FF2B5EF4-FFF2-40B4-BE49-F238E27FC236}">
-                <a16:creationId xmlns:a16="http://schemas.microsoft.com/office/drawing/2014/main" id="{147DED7E-82F8-4221-7275-4CBE1BE60328}"/>
+                <a16:creationId xmlns:a16="http://schemas.microsoft.com/office/drawing/2014/main" id="{DA36C96B-7224-3A3A-6586-1626FDEC88C0}"/>
               </a:ext>
             </a:extLst>
           </p:cNvPr>
@@ -2645,7 +2645,7 @@
           <p:cNvPr id="5" name="日期占位符 4">
             <a:extLst>
               <a:ext uri="{FF2B5EF4-FFF2-40B4-BE49-F238E27FC236}">
-                <a16:creationId xmlns:a16="http://schemas.microsoft.com/office/drawing/2014/main" id="{B153EFD6-461D-E211-2275-F55CFED125CF}"/>
+                <a16:creationId xmlns:a16="http://schemas.microsoft.com/office/drawing/2014/main" id="{AE53C40D-2173-6EE9-9FAE-777FC7BE5113}"/>
               </a:ext>
             </a:extLst>
           </p:cNvPr>
@@ -2661,7 +2661,7 @@
           <a:bodyPr/>
           <a:lstStyle/>
           <a:p>
-            <a:fld id="{6ED4691B-8239-489A-B103-B7ACB16914B2}" type="datetimeFigureOut">
+            <a:fld id="{C8F76FBF-0980-4DA3-870A-1C6EC6887ADD}" type="datetimeFigureOut">
               <a:rPr lang="zh-CN" altLang="en-US" smtClean="0"/>
               <a:t>2024/3/10</a:t>
             </a:fld>
@@ -2674,7 +2674,7 @@
           <p:cNvPr id="6" name="页脚占位符 5">
             <a:extLst>
               <a:ext uri="{FF2B5EF4-FFF2-40B4-BE49-F238E27FC236}">
-                <a16:creationId xmlns:a16="http://schemas.microsoft.com/office/drawing/2014/main" id="{49735D82-725B-2730-EB3A-BA9CB29E39C1}"/>
+                <a16:creationId xmlns:a16="http://schemas.microsoft.com/office/drawing/2014/main" id="{39536EDB-00B0-BD15-A2DF-046CF1F94842}"/>
               </a:ext>
             </a:extLst>
           </p:cNvPr>
@@ -2699,7 +2699,7 @@
           <p:cNvPr id="7" name="灯片编号占位符 6">
             <a:extLst>
               <a:ext uri="{FF2B5EF4-FFF2-40B4-BE49-F238E27FC236}">
-                <a16:creationId xmlns:a16="http://schemas.microsoft.com/office/drawing/2014/main" id="{4EA51AEB-87EE-411D-5E39-32DE1FE230CA}"/>
+                <a16:creationId xmlns:a16="http://schemas.microsoft.com/office/drawing/2014/main" id="{14F2B862-7B03-89A1-F55C-31AEA545C544}"/>
               </a:ext>
             </a:extLst>
           </p:cNvPr>
@@ -2715,7 +2715,7 @@
           <a:bodyPr/>
           <a:lstStyle/>
           <a:p>
-            <a:fld id="{3FAFC824-C571-4D11-8041-8F438765376B}" type="slidenum">
+            <a:fld id="{A9697AC8-D47A-40B5-833F-6DC72359547D}" type="slidenum">
               <a:rPr lang="zh-CN" altLang="en-US" smtClean="0"/>
               <a:t>‹#›</a:t>
             </a:fld>
@@ -2726,7 +2726,7 @@
     </p:spTree>
     <p:extLst>
       <p:ext uri="{BB962C8B-B14F-4D97-AF65-F5344CB8AC3E}">
-        <p14:creationId xmlns:p14="http://schemas.microsoft.com/office/powerpoint/2010/main" val="4183356057"/>
+        <p14:creationId xmlns:p14="http://schemas.microsoft.com/office/powerpoint/2010/main" val="1480460634"/>
       </p:ext>
     </p:extLst>
   </p:cSld>
@@ -2763,7 +2763,7 @@
           <p:cNvPr id="2" name="标题占位符 1">
             <a:extLst>
               <a:ext uri="{FF2B5EF4-FFF2-40B4-BE49-F238E27FC236}">
-                <a16:creationId xmlns:a16="http://schemas.microsoft.com/office/drawing/2014/main" id="{CEF31EC8-7037-F953-5958-E7C7BE32DB66}"/>
+                <a16:creationId xmlns:a16="http://schemas.microsoft.com/office/drawing/2014/main" id="{5BC1E210-40A6-A52D-74A8-F55647653AC8}"/>
               </a:ext>
             </a:extLst>
           </p:cNvPr>
@@ -2801,7 +2801,7 @@
           <p:cNvPr id="3" name="文本占位符 2">
             <a:extLst>
               <a:ext uri="{FF2B5EF4-FFF2-40B4-BE49-F238E27FC236}">
-                <a16:creationId xmlns:a16="http://schemas.microsoft.com/office/drawing/2014/main" id="{3621D5F1-FBCA-A253-D96E-7FA648ABD359}"/>
+                <a16:creationId xmlns:a16="http://schemas.microsoft.com/office/drawing/2014/main" id="{A3E8CCF1-0635-3CAE-282A-D431781F7AA5}"/>
               </a:ext>
             </a:extLst>
           </p:cNvPr>
@@ -2868,7 +2868,7 @@
           <p:cNvPr id="4" name="日期占位符 3">
             <a:extLst>
               <a:ext uri="{FF2B5EF4-FFF2-40B4-BE49-F238E27FC236}">
-                <a16:creationId xmlns:a16="http://schemas.microsoft.com/office/drawing/2014/main" id="{212B5A7E-AD32-946F-BACB-0BF2B9F2E868}"/>
+                <a16:creationId xmlns:a16="http://schemas.microsoft.com/office/drawing/2014/main" id="{8AB10B50-1048-267F-BCC6-96A71279BA10}"/>
               </a:ext>
             </a:extLst>
           </p:cNvPr>
@@ -2902,7 +2902,7 @@
             </a:lvl1pPr>
           </a:lstStyle>
           <a:p>
-            <a:fld id="{6ED4691B-8239-489A-B103-B7ACB16914B2}" type="datetimeFigureOut">
+            <a:fld id="{C8F76FBF-0980-4DA3-870A-1C6EC6887ADD}" type="datetimeFigureOut">
               <a:rPr lang="zh-CN" altLang="en-US" smtClean="0"/>
               <a:t>2024/3/10</a:t>
             </a:fld>
@@ -2915,7 +2915,7 @@
           <p:cNvPr id="5" name="页脚占位符 4">
             <a:extLst>
               <a:ext uri="{FF2B5EF4-FFF2-40B4-BE49-F238E27FC236}">
-                <a16:creationId xmlns:a16="http://schemas.microsoft.com/office/drawing/2014/main" id="{5C1ADB52-F547-5B86-D9FD-B44BFB8E0A9B}"/>
+                <a16:creationId xmlns:a16="http://schemas.microsoft.com/office/drawing/2014/main" id="{B56EC79F-66E1-4C22-705F-6719F29F8EDE}"/>
               </a:ext>
             </a:extLst>
           </p:cNvPr>
@@ -2958,7 +2958,7 @@
           <p:cNvPr id="6" name="灯片编号占位符 5">
             <a:extLst>
               <a:ext uri="{FF2B5EF4-FFF2-40B4-BE49-F238E27FC236}">
-                <a16:creationId xmlns:a16="http://schemas.microsoft.com/office/drawing/2014/main" id="{6FEC583B-8A4A-19C2-03AE-96FAD866F339}"/>
+                <a16:creationId xmlns:a16="http://schemas.microsoft.com/office/drawing/2014/main" id="{0785DF49-3A81-BD31-0E76-B6EFF86301DE}"/>
               </a:ext>
             </a:extLst>
           </p:cNvPr>
@@ -2992,7 +2992,7 @@
             </a:lvl1pPr>
           </a:lstStyle>
           <a:p>
-            <a:fld id="{3FAFC824-C571-4D11-8041-8F438765376B}" type="slidenum">
+            <a:fld id="{A9697AC8-D47A-40B5-833F-6DC72359547D}" type="slidenum">
               <a:rPr lang="zh-CN" altLang="en-US" smtClean="0"/>
               <a:t>‹#›</a:t>
             </a:fld>
@@ -3003,7 +3003,7 @@
     </p:spTree>
     <p:extLst>
       <p:ext uri="{BB962C8B-B14F-4D97-AF65-F5344CB8AC3E}">
-        <p14:creationId xmlns:p14="http://schemas.microsoft.com/office/powerpoint/2010/main" val="2603738645"/>
+        <p14:creationId xmlns:p14="http://schemas.microsoft.com/office/powerpoint/2010/main" val="2589810567"/>
       </p:ext>
     </p:extLst>
   </p:cSld>
